--- a/Hello-Talks/Sentiment-Analysis-in-Dotnet/Sentiment-Analysis-in-NET-Turkish.pptx
+++ b/Hello-Talks/Sentiment-Analysis-in-Dotnet/Sentiment-Analysis-in-NET-Turkish.pptx
@@ -36,8 +36,15 @@
       <p:boldItalic r:id="rId22"/>
     </p:embeddedFont>
     <p:embeddedFont>
+      <p:font typeface="Poppins Medium"/>
+      <p:regular r:id="rId23"/>
+      <p:bold r:id="rId24"/>
+      <p:italic r:id="rId25"/>
+      <p:boldItalic r:id="rId26"/>
+    </p:embeddedFont>
+    <p:embeddedFont>
       <p:font typeface="Archivo Black"/>
-      <p:regular r:id="rId23"/>
+      <p:regular r:id="rId27"/>
     </p:embeddedFont>
   </p:embeddedFontLst>
   <p:defaultTextStyle>
@@ -1416,7 +1423,7 @@
   <p:cSld>
     <p:spTree>
       <p:nvGrpSpPr>
-        <p:cNvPr id="143" name="Shape 143"/>
+        <p:cNvPr id="144" name="Shape 144"/>
         <p:cNvGrpSpPr/>
         <p:nvPr/>
       </p:nvGrpSpPr>
@@ -1430,7 +1437,7 @@
       </p:grpSpPr>
       <p:sp>
         <p:nvSpPr>
-          <p:cNvPr id="144" name="Google Shape;144;g2d159c2ab0f_0_31:notes"/>
+          <p:cNvPr id="145" name="Google Shape;145;g2d159c2ab0f_0_31:notes"/>
           <p:cNvSpPr txBox="1"/>
           <p:nvPr>
             <p:ph idx="1" type="body"/>
@@ -1469,7 +1476,7 @@
       </p:sp>
       <p:sp>
         <p:nvSpPr>
-          <p:cNvPr id="145" name="Google Shape;145;g2d159c2ab0f_0_31:notes"/>
+          <p:cNvPr id="146" name="Google Shape;146;g2d159c2ab0f_0_31:notes"/>
           <p:cNvSpPr/>
           <p:nvPr>
             <p:ph idx="2" type="sldImg"/>
@@ -1515,7 +1522,7 @@
   <p:cSld>
     <p:spTree>
       <p:nvGrpSpPr>
-        <p:cNvPr id="156" name="Shape 156"/>
+        <p:cNvPr id="157" name="Shape 157"/>
         <p:cNvGrpSpPr/>
         <p:nvPr/>
       </p:nvGrpSpPr>
@@ -1529,7 +1536,7 @@
       </p:grpSpPr>
       <p:sp>
         <p:nvSpPr>
-          <p:cNvPr id="157" name="Google Shape;157;p20:notes"/>
+          <p:cNvPr id="158" name="Google Shape;158;p20:notes"/>
           <p:cNvSpPr txBox="1"/>
           <p:nvPr>
             <p:ph idx="1" type="body"/>
@@ -1568,7 +1575,7 @@
       </p:sp>
       <p:sp>
         <p:nvSpPr>
-          <p:cNvPr id="158" name="Google Shape;158;p20:notes"/>
+          <p:cNvPr id="159" name="Google Shape;159;p20:notes"/>
           <p:cNvSpPr/>
           <p:nvPr>
             <p:ph idx="2" type="sldImg"/>
@@ -7702,7 +7709,7 @@
         </p:nvSpPr>
         <p:spPr>
           <a:xfrm>
-            <a:off x="1028700" y="1009650"/>
+            <a:off x="1028700" y="781050"/>
             <a:ext cx="16230600" cy="969600"/>
           </a:xfrm>
           <a:prstGeom prst="rect">
@@ -7767,7 +7774,7 @@
         </p:nvSpPr>
         <p:spPr>
           <a:xfrm>
-            <a:off x="1216551" y="5894250"/>
+            <a:off x="1216551" y="5284650"/>
             <a:ext cx="3355500" cy="400200"/>
           </a:xfrm>
           <a:prstGeom prst="rect">
@@ -7817,7 +7824,7 @@
         </p:nvCxnSpPr>
         <p:spPr>
           <a:xfrm>
-            <a:off x="1028700" y="4607694"/>
+            <a:off x="1028700" y="3998094"/>
             <a:ext cx="15868200" cy="0"/>
           </a:xfrm>
           <a:prstGeom prst="straightConnector1">
@@ -7843,7 +7850,7 @@
         </p:nvSpPr>
         <p:spPr>
           <a:xfrm>
-            <a:off x="5089448" y="5894238"/>
+            <a:off x="5089448" y="5284638"/>
             <a:ext cx="3690000" cy="880500"/>
           </a:xfrm>
           <a:prstGeom prst="rect">
@@ -7927,7 +7934,7 @@
         </p:nvSpPr>
         <p:spPr>
           <a:xfrm>
-            <a:off x="9296849" y="5894288"/>
+            <a:off x="9296849" y="5284688"/>
             <a:ext cx="3355500" cy="880500"/>
           </a:xfrm>
           <a:prstGeom prst="rect">
@@ -7977,7 +7984,7 @@
         </p:nvSpPr>
         <p:spPr>
           <a:xfrm>
-            <a:off x="13175625" y="5861513"/>
+            <a:off x="13175625" y="5251913"/>
             <a:ext cx="3594600" cy="880500"/>
           </a:xfrm>
           <a:prstGeom prst="rect">
@@ -8056,7 +8063,7 @@
         </p:nvGrpSpPr>
         <p:grpSpPr>
           <a:xfrm>
-            <a:off x="5885632" y="3709050"/>
+            <a:off x="5885632" y="3099450"/>
             <a:ext cx="1915770" cy="1915770"/>
             <a:chOff x="0" y="0"/>
             <a:chExt cx="812800" cy="812800"/>
@@ -8194,7 +8201,7 @@
         </p:nvGrpSpPr>
         <p:grpSpPr>
           <a:xfrm>
-            <a:off x="1927205" y="3709050"/>
+            <a:off x="1927205" y="3099450"/>
             <a:ext cx="1915770" cy="1915770"/>
             <a:chOff x="0" y="0"/>
             <a:chExt cx="812800" cy="812800"/>
@@ -8332,7 +8339,7 @@
         </p:nvGrpSpPr>
         <p:grpSpPr>
           <a:xfrm>
-            <a:off x="9844059" y="3709050"/>
+            <a:off x="9844059" y="3099450"/>
             <a:ext cx="1915770" cy="1915770"/>
             <a:chOff x="0" y="0"/>
             <a:chExt cx="812800" cy="812800"/>
@@ -8470,7 +8477,7 @@
         </p:nvGrpSpPr>
         <p:grpSpPr>
           <a:xfrm>
-            <a:off x="13802486" y="3709050"/>
+            <a:off x="13802486" y="3099450"/>
             <a:ext cx="1915770" cy="1915770"/>
             <a:chOff x="0" y="0"/>
             <a:chExt cx="812800" cy="812800"/>
@@ -8615,7 +8622,7 @@
         </p:blipFill>
         <p:spPr>
           <a:xfrm>
-            <a:off x="2280500" y="3842575"/>
+            <a:off x="2280500" y="3232975"/>
             <a:ext cx="1321400" cy="1630100"/>
           </a:xfrm>
           <a:prstGeom prst="rect">
@@ -8642,7 +8649,7 @@
         </p:blipFill>
         <p:spPr>
           <a:xfrm>
-            <a:off x="6281700" y="3844700"/>
+            <a:off x="6281700" y="3235100"/>
             <a:ext cx="1123676" cy="1630100"/>
           </a:xfrm>
           <a:prstGeom prst="rect">
@@ -8669,7 +8676,7 @@
         </p:blipFill>
         <p:spPr>
           <a:xfrm>
-            <a:off x="10360333" y="3851888"/>
+            <a:off x="10284133" y="3242288"/>
             <a:ext cx="1035612" cy="1630100"/>
           </a:xfrm>
           <a:prstGeom prst="rect">
@@ -8696,7 +8703,7 @@
         </p:blipFill>
         <p:spPr>
           <a:xfrm>
-            <a:off x="14162672" y="3844700"/>
+            <a:off x="14162672" y="3235100"/>
             <a:ext cx="1321400" cy="1630100"/>
           </a:xfrm>
           <a:prstGeom prst="rect">
@@ -8716,8 +8723,8 @@
         </p:nvSpPr>
         <p:spPr>
           <a:xfrm>
-            <a:off x="0" y="8487050"/>
-            <a:ext cx="18288000" cy="554100"/>
+            <a:off x="1028700" y="7737213"/>
+            <a:ext cx="12380400" cy="1086600"/>
           </a:xfrm>
           <a:prstGeom prst="rect">
             <a:avLst/>
@@ -8733,7 +8740,7 @@
           </a:bodyPr>
           <a:lstStyle/>
           <a:p>
-            <a:pPr indent="0" lvl="0" marL="0" marR="0" rtl="0" algn="ctr">
+            <a:pPr indent="0" lvl="0" marL="0" marR="0" rtl="0" algn="l">
               <a:lnSpc>
                 <a:spcPct val="130000"/>
               </a:lnSpc>
@@ -8746,7 +8753,7 @@
               <a:buNone/>
             </a:pPr>
             <a:r>
-              <a:rPr b="1" lang="en-US" sz="3600">
+              <a:rPr b="1" lang="en-US" sz="3200">
                 <a:latin typeface="Montserrat"/>
                 <a:ea typeface="Montserrat"/>
                 <a:cs typeface="Montserrat"/>
@@ -8755,7 +8762,7 @@
               <a:t>Kaynak Kod</a:t>
             </a:r>
             <a:r>
-              <a:rPr b="1" lang="en-US" sz="3600">
+              <a:rPr b="1" lang="en-US" sz="3200">
                 <a:latin typeface="Montserrat"/>
                 <a:ea typeface="Montserrat"/>
                 <a:cs typeface="Montserrat"/>
@@ -8763,8 +8770,28 @@
               </a:rPr>
               <a:t>: </a:t>
             </a:r>
+            <a:endParaRPr b="1" sz="3200">
+              <a:latin typeface="Montserrat"/>
+              <a:ea typeface="Montserrat"/>
+              <a:cs typeface="Montserrat"/>
+              <a:sym typeface="Montserrat"/>
+            </a:endParaRPr>
+          </a:p>
+          <a:p>
+            <a:pPr indent="0" lvl="0" marL="0" marR="0" rtl="0" algn="l">
+              <a:lnSpc>
+                <a:spcPct val="130000"/>
+              </a:lnSpc>
+              <a:spcBef>
+                <a:spcPts val="0"/>
+              </a:spcBef>
+              <a:spcAft>
+                <a:spcPts val="0"/>
+              </a:spcAft>
+              <a:buNone/>
+            </a:pPr>
             <a:r>
-              <a:rPr lang="en-US" sz="3300" u="sng">
+              <a:rPr lang="en-US" sz="2900" u="sng">
                 <a:solidFill>
                   <a:schemeClr val="hlink"/>
                 </a:solidFill>
@@ -8776,10 +8803,38 @@
               </a:rPr>
               <a:t>https://github.com/EngincanV/SentimentAnalysisDemo</a:t>
             </a:r>
-            <a:endParaRPr sz="1200"/>
+            <a:endParaRPr sz="1300"/>
           </a:p>
         </p:txBody>
       </p:sp>
+      <p:pic>
+        <p:nvPicPr>
+          <p:cNvPr id="143" name="Google Shape;143;p15"/>
+          <p:cNvPicPr preferRelativeResize="0"/>
+          <p:nvPr/>
+        </p:nvPicPr>
+        <p:blipFill>
+          <a:blip r:embed="rId5">
+            <a:alphaModFix/>
+          </a:blip>
+          <a:stretch>
+            <a:fillRect/>
+          </a:stretch>
+        </p:blipFill>
+        <p:spPr>
+          <a:xfrm>
+            <a:off x="13825929" y="6745025"/>
+            <a:ext cx="3070975" cy="3071007"/>
+          </a:xfrm>
+          <a:prstGeom prst="rect">
+            <a:avLst/>
+          </a:prstGeom>
+          <a:noFill/>
+          <a:ln>
+            <a:noFill/>
+          </a:ln>
+        </p:spPr>
+      </p:pic>
     </p:spTree>
   </p:cSld>
   <p:clrMapOvr>
@@ -8808,7 +8863,7 @@
     </p:bg>
     <p:spTree>
       <p:nvGrpSpPr>
-        <p:cNvPr id="146" name="Shape 146"/>
+        <p:cNvPr id="147" name="Shape 147"/>
         <p:cNvGrpSpPr/>
         <p:nvPr/>
       </p:nvGrpSpPr>
@@ -8822,7 +8877,7 @@
       </p:grpSpPr>
       <p:sp>
         <p:nvSpPr>
-          <p:cNvPr id="147" name="Google Shape;147;p16"/>
+          <p:cNvPr id="148" name="Google Shape;148;p16"/>
           <p:cNvSpPr txBox="1"/>
           <p:nvPr/>
         </p:nvSpPr>
@@ -8872,7 +8927,7 @@
       </p:sp>
       <p:grpSp>
         <p:nvGrpSpPr>
-          <p:cNvPr id="148" name="Google Shape;148;p16"/>
+          <p:cNvPr id="149" name="Google Shape;149;p16"/>
           <p:cNvGrpSpPr/>
           <p:nvPr/>
         </p:nvGrpSpPr>
@@ -8886,7 +8941,7 @@
         </p:grpSpPr>
         <p:sp>
           <p:nvSpPr>
-            <p:cNvPr id="149" name="Google Shape;149;p16"/>
+            <p:cNvPr id="150" name="Google Shape;150;p16"/>
             <p:cNvSpPr/>
             <p:nvPr/>
           </p:nvSpPr>
@@ -8957,7 +9012,7 @@
         </p:sp>
         <p:sp>
           <p:nvSpPr>
-            <p:cNvPr id="150" name="Google Shape;150;p16"/>
+            <p:cNvPr id="151" name="Google Shape;151;p16"/>
             <p:cNvSpPr txBox="1"/>
             <p:nvPr/>
           </p:nvSpPr>
@@ -9010,7 +9065,7 @@
       </p:grpSp>
       <p:pic>
         <p:nvPicPr>
-          <p:cNvPr id="151" name="Google Shape;151;p16"/>
+          <p:cNvPr id="152" name="Google Shape;152;p16"/>
           <p:cNvPicPr preferRelativeResize="0"/>
           <p:nvPr/>
         </p:nvPicPr>
@@ -9037,7 +9092,7 @@
       </p:pic>
       <p:pic>
         <p:nvPicPr>
-          <p:cNvPr id="152" name="Google Shape;152;p16"/>
+          <p:cNvPr id="153" name="Google Shape;153;p16"/>
           <p:cNvPicPr preferRelativeResize="0"/>
           <p:nvPr/>
         </p:nvPicPr>
@@ -9065,7 +9120,7 @@
       </p:pic>
       <p:grpSp>
         <p:nvGrpSpPr>
-          <p:cNvPr id="153" name="Google Shape;153;p16"/>
+          <p:cNvPr id="154" name="Google Shape;154;p16"/>
           <p:cNvGrpSpPr/>
           <p:nvPr/>
         </p:nvGrpSpPr>
@@ -9079,7 +9134,7 @@
         </p:grpSpPr>
         <p:sp>
           <p:nvSpPr>
-            <p:cNvPr id="154" name="Google Shape;154;p16"/>
+            <p:cNvPr id="155" name="Google Shape;155;p16"/>
             <p:cNvSpPr txBox="1"/>
             <p:nvPr/>
           </p:nvSpPr>
@@ -9230,7 +9285,7 @@
         </p:sp>
         <p:sp>
           <p:nvSpPr>
-            <p:cNvPr id="155" name="Google Shape;155;p16"/>
+            <p:cNvPr id="156" name="Google Shape;156;p16"/>
             <p:cNvSpPr txBox="1"/>
             <p:nvPr/>
           </p:nvSpPr>
@@ -9307,7 +9362,7 @@
     </p:bg>
     <p:spTree>
       <p:nvGrpSpPr>
-        <p:cNvPr id="159" name="Shape 159"/>
+        <p:cNvPr id="160" name="Shape 160"/>
         <p:cNvGrpSpPr/>
         <p:nvPr/>
       </p:nvGrpSpPr>
@@ -9321,13 +9376,13 @@
       </p:grpSpPr>
       <p:sp>
         <p:nvSpPr>
-          <p:cNvPr id="160" name="Google Shape;160;p17"/>
+          <p:cNvPr id="161" name="Google Shape;161;p17"/>
           <p:cNvSpPr txBox="1"/>
           <p:nvPr/>
         </p:nvSpPr>
         <p:spPr>
           <a:xfrm>
-            <a:off x="3778261" y="4525737"/>
+            <a:off x="981385" y="2736312"/>
             <a:ext cx="10830000" cy="1385400"/>
           </a:xfrm>
           <a:prstGeom prst="rect">
@@ -9344,7 +9399,7 @@
           </a:bodyPr>
           <a:lstStyle/>
           <a:p>
-            <a:pPr indent="0" lvl="0" marL="0" marR="0" rtl="0" algn="ctr">
+            <a:pPr indent="0" lvl="0" marL="0" marR="0" rtl="0" algn="l">
               <a:lnSpc>
                 <a:spcPct val="120000"/>
               </a:lnSpc>
@@ -9372,6 +9427,388 @@
           </a:p>
         </p:txBody>
       </p:sp>
+      <p:sp>
+        <p:nvSpPr>
+          <p:cNvPr id="162" name="Google Shape;162;p17"/>
+          <p:cNvSpPr txBox="1"/>
+          <p:nvPr/>
+        </p:nvSpPr>
+        <p:spPr>
+          <a:xfrm>
+            <a:off x="2276786" y="5565709"/>
+            <a:ext cx="6497100" cy="507900"/>
+          </a:xfrm>
+          <a:prstGeom prst="rect">
+            <a:avLst/>
+          </a:prstGeom>
+          <a:noFill/>
+          <a:ln>
+            <a:noFill/>
+          </a:ln>
+        </p:spPr>
+        <p:txBody>
+          <a:bodyPr anchorCtr="0" anchor="t" bIns="91425" lIns="91425" spcFirstLastPara="1" rIns="91425" wrap="square" tIns="91425">
+            <a:noAutofit/>
+          </a:bodyPr>
+          <a:lstStyle/>
+          <a:p>
+            <a:pPr indent="0" lvl="0" marL="0" marR="0" rtl="0" algn="l">
+              <a:spcBef>
+                <a:spcPts val="0"/>
+              </a:spcBef>
+              <a:spcAft>
+                <a:spcPts val="0"/>
+              </a:spcAft>
+              <a:buClr>
+                <a:srgbClr val="292D33"/>
+              </a:buClr>
+              <a:buSzPts val="2800"/>
+              <a:buFont typeface="Poppins Medium"/>
+              <a:buNone/>
+            </a:pPr>
+            <a:r>
+              <a:rPr lang="en-US" sz="2800">
+                <a:solidFill>
+                  <a:srgbClr val="292D33"/>
+                </a:solidFill>
+                <a:latin typeface="Poppins Medium"/>
+                <a:ea typeface="Poppins Medium"/>
+                <a:cs typeface="Poppins Medium"/>
+                <a:sym typeface="Poppins Medium"/>
+              </a:rPr>
+              <a:t>Engincan VESKE</a:t>
+            </a:r>
+            <a:endParaRPr b="0" i="0" sz="2800" u="none" cap="none" strike="noStrike">
+              <a:solidFill>
+                <a:srgbClr val="292D33"/>
+              </a:solidFill>
+              <a:latin typeface="Poppins Medium"/>
+              <a:ea typeface="Poppins Medium"/>
+              <a:cs typeface="Poppins Medium"/>
+              <a:sym typeface="Poppins Medium"/>
+            </a:endParaRPr>
+          </a:p>
+        </p:txBody>
+      </p:sp>
+      <p:sp>
+        <p:nvSpPr>
+          <p:cNvPr id="163" name="Google Shape;163;p17"/>
+          <p:cNvSpPr txBox="1"/>
+          <p:nvPr/>
+        </p:nvSpPr>
+        <p:spPr>
+          <a:xfrm>
+            <a:off x="2276786" y="6085636"/>
+            <a:ext cx="6497100" cy="400200"/>
+          </a:xfrm>
+          <a:prstGeom prst="rect">
+            <a:avLst/>
+          </a:prstGeom>
+          <a:noFill/>
+          <a:ln>
+            <a:noFill/>
+          </a:ln>
+        </p:spPr>
+        <p:txBody>
+          <a:bodyPr anchorCtr="0" anchor="t" bIns="91425" lIns="91425" spcFirstLastPara="1" rIns="91425" wrap="square" tIns="91425">
+            <a:normAutofit fontScale="92500" lnSpcReduction="20000"/>
+          </a:bodyPr>
+          <a:lstStyle/>
+          <a:p>
+            <a:pPr indent="0" lvl="0" marL="0" marR="0" rtl="0" algn="l">
+              <a:spcBef>
+                <a:spcPts val="0"/>
+              </a:spcBef>
+              <a:spcAft>
+                <a:spcPts val="0"/>
+              </a:spcAft>
+              <a:buClr>
+                <a:srgbClr val="4E5258"/>
+              </a:buClr>
+              <a:buSzPct val="100000"/>
+              <a:buFont typeface="Poppins"/>
+              <a:buNone/>
+            </a:pPr>
+            <a:r>
+              <a:rPr lang="en-US" sz="1800">
+                <a:solidFill>
+                  <a:srgbClr val="4E5258"/>
+                </a:solidFill>
+                <a:latin typeface="Poppins"/>
+                <a:ea typeface="Poppins"/>
+                <a:cs typeface="Poppins"/>
+                <a:sym typeface="Poppins"/>
+              </a:rPr>
+              <a:t>Software Engineer at Volosoft</a:t>
+            </a:r>
+            <a:endParaRPr b="0" i="0" sz="1800" u="none" cap="none" strike="noStrike">
+              <a:solidFill>
+                <a:srgbClr val="545C67"/>
+              </a:solidFill>
+              <a:latin typeface="Poppins"/>
+              <a:ea typeface="Poppins"/>
+              <a:cs typeface="Poppins"/>
+              <a:sym typeface="Poppins"/>
+            </a:endParaRPr>
+          </a:p>
+        </p:txBody>
+      </p:sp>
+      <p:pic>
+        <p:nvPicPr>
+          <p:cNvPr id="164" name="Google Shape;164;p17"/>
+          <p:cNvPicPr preferRelativeResize="0"/>
+          <p:nvPr/>
+        </p:nvPicPr>
+        <p:blipFill rotWithShape="1">
+          <a:blip r:embed="rId3">
+            <a:alphaModFix/>
+          </a:blip>
+          <a:srcRect b="0" l="0" r="0" t="0"/>
+          <a:stretch/>
+        </p:blipFill>
+        <p:spPr>
+          <a:xfrm>
+            <a:off x="1063141" y="6975379"/>
+            <a:ext cx="318353" cy="318353"/>
+          </a:xfrm>
+          <a:prstGeom prst="rect">
+            <a:avLst/>
+          </a:prstGeom>
+          <a:noFill/>
+          <a:ln>
+            <a:noFill/>
+          </a:ln>
+        </p:spPr>
+      </p:pic>
+      <p:pic>
+        <p:nvPicPr>
+          <p:cNvPr id="165" name="Google Shape;165;p17"/>
+          <p:cNvPicPr preferRelativeResize="0"/>
+          <p:nvPr/>
+        </p:nvPicPr>
+        <p:blipFill rotWithShape="1">
+          <a:blip r:embed="rId4">
+            <a:alphaModFix/>
+          </a:blip>
+          <a:srcRect b="0" l="0" r="0" t="0"/>
+          <a:stretch/>
+        </p:blipFill>
+        <p:spPr>
+          <a:xfrm>
+            <a:off x="3658766" y="6976294"/>
+            <a:ext cx="318352" cy="318352"/>
+          </a:xfrm>
+          <a:prstGeom prst="rect">
+            <a:avLst/>
+          </a:prstGeom>
+          <a:noFill/>
+          <a:ln>
+            <a:noFill/>
+          </a:ln>
+        </p:spPr>
+      </p:pic>
+      <p:sp>
+        <p:nvSpPr>
+          <p:cNvPr id="166" name="Google Shape;166;p17"/>
+          <p:cNvSpPr txBox="1"/>
+          <p:nvPr/>
+        </p:nvSpPr>
+        <p:spPr>
+          <a:xfrm>
+            <a:off x="1470138" y="6918373"/>
+            <a:ext cx="5238000" cy="369300"/>
+          </a:xfrm>
+          <a:prstGeom prst="rect">
+            <a:avLst/>
+          </a:prstGeom>
+          <a:noFill/>
+          <a:ln>
+            <a:noFill/>
+          </a:ln>
+        </p:spPr>
+        <p:txBody>
+          <a:bodyPr anchorCtr="0" anchor="t" bIns="91425" lIns="91425" spcFirstLastPara="1" rIns="91425" wrap="square" tIns="91425">
+            <a:noAutofit/>
+          </a:bodyPr>
+          <a:lstStyle/>
+          <a:p>
+            <a:pPr indent="0" lvl="0" marL="0" marR="0" rtl="0" algn="l">
+              <a:spcBef>
+                <a:spcPts val="0"/>
+              </a:spcBef>
+              <a:spcAft>
+                <a:spcPts val="0"/>
+              </a:spcAft>
+              <a:buClr>
+                <a:srgbClr val="292D33"/>
+              </a:buClr>
+              <a:buSzPts val="1500"/>
+              <a:buFont typeface="Poppins"/>
+              <a:buNone/>
+            </a:pPr>
+            <a:r>
+              <a:rPr lang="en-US" sz="1500">
+                <a:solidFill>
+                  <a:srgbClr val="4E5258"/>
+                </a:solidFill>
+                <a:uFill>
+                  <a:noFill/>
+                </a:uFill>
+                <a:latin typeface="Poppins"/>
+                <a:ea typeface="Poppins"/>
+                <a:cs typeface="Poppins"/>
+                <a:sym typeface="Poppins"/>
+                <a:hlinkClick r:id="rId5">
+                  <a:extLst>
+                    <a:ext uri="{A12FA001-AC4F-418D-AE19-62706E023703}">
+                      <ahyp:hlinkClr val="tx"/>
+                    </a:ext>
+                  </a:extLst>
+                </a:hlinkClick>
+              </a:rPr>
+              <a:t>@EngincanVeske</a:t>
+            </a:r>
+            <a:endParaRPr b="0" i="0" sz="1500" cap="none" strike="noStrike">
+              <a:solidFill>
+                <a:srgbClr val="4E5258"/>
+              </a:solidFill>
+              <a:latin typeface="Poppins"/>
+              <a:ea typeface="Poppins"/>
+              <a:cs typeface="Poppins"/>
+              <a:sym typeface="Poppins"/>
+            </a:endParaRPr>
+          </a:p>
+        </p:txBody>
+      </p:sp>
+      <p:sp>
+        <p:nvSpPr>
+          <p:cNvPr id="167" name="Google Shape;167;p17"/>
+          <p:cNvSpPr txBox="1"/>
+          <p:nvPr/>
+        </p:nvSpPr>
+        <p:spPr>
+          <a:xfrm>
+            <a:off x="4065763" y="6911405"/>
+            <a:ext cx="5238000" cy="369300"/>
+          </a:xfrm>
+          <a:prstGeom prst="rect">
+            <a:avLst/>
+          </a:prstGeom>
+          <a:noFill/>
+          <a:ln>
+            <a:noFill/>
+          </a:ln>
+        </p:spPr>
+        <p:txBody>
+          <a:bodyPr anchorCtr="0" anchor="t" bIns="91425" lIns="91425" spcFirstLastPara="1" rIns="91425" wrap="square" tIns="91425">
+            <a:noAutofit/>
+          </a:bodyPr>
+          <a:lstStyle/>
+          <a:p>
+            <a:pPr indent="0" lvl="0" marL="0" marR="0" rtl="0" algn="l">
+              <a:spcBef>
+                <a:spcPts val="0"/>
+              </a:spcBef>
+              <a:spcAft>
+                <a:spcPts val="0"/>
+              </a:spcAft>
+              <a:buClr>
+                <a:srgbClr val="292D33"/>
+              </a:buClr>
+              <a:buSzPts val="1500"/>
+              <a:buFont typeface="Poppins"/>
+              <a:buNone/>
+            </a:pPr>
+            <a:r>
+              <a:rPr lang="en-US" sz="1500">
+                <a:solidFill>
+                  <a:srgbClr val="4E5258"/>
+                </a:solidFill>
+                <a:uFill>
+                  <a:noFill/>
+                </a:uFill>
+                <a:latin typeface="Poppins"/>
+                <a:ea typeface="Poppins"/>
+                <a:cs typeface="Poppins"/>
+                <a:sym typeface="Poppins"/>
+                <a:hlinkClick r:id="rId6">
+                  <a:extLst>
+                    <a:ext uri="{A12FA001-AC4F-418D-AE19-62706E023703}">
+                      <ahyp:hlinkClr val="tx"/>
+                    </a:ext>
+                  </a:extLst>
+                </a:hlinkClick>
+              </a:rPr>
+              <a:t>EngincanV</a:t>
+            </a:r>
+            <a:endParaRPr b="0" i="0" sz="1500" cap="none" strike="noStrike">
+              <a:solidFill>
+                <a:srgbClr val="4E5258"/>
+              </a:solidFill>
+              <a:latin typeface="Poppins"/>
+              <a:ea typeface="Poppins"/>
+              <a:cs typeface="Poppins"/>
+              <a:sym typeface="Poppins"/>
+            </a:endParaRPr>
+          </a:p>
+        </p:txBody>
+      </p:sp>
+      <p:pic>
+        <p:nvPicPr>
+          <p:cNvPr id="168" name="Google Shape;168;p17"/>
+          <p:cNvPicPr preferRelativeResize="0"/>
+          <p:nvPr/>
+        </p:nvPicPr>
+        <p:blipFill>
+          <a:blip r:embed="rId7">
+            <a:alphaModFix/>
+          </a:blip>
+          <a:stretch>
+            <a:fillRect/>
+          </a:stretch>
+        </p:blipFill>
+        <p:spPr>
+          <a:xfrm>
+            <a:off x="981386" y="5505271"/>
+            <a:ext cx="1040400" cy="1029253"/>
+          </a:xfrm>
+          <a:prstGeom prst="rect">
+            <a:avLst/>
+          </a:prstGeom>
+          <a:noFill/>
+          <a:ln>
+            <a:noFill/>
+          </a:ln>
+        </p:spPr>
+      </p:pic>
+      <p:pic>
+        <p:nvPicPr>
+          <p:cNvPr id="169" name="Google Shape;169;p17"/>
+          <p:cNvPicPr preferRelativeResize="0"/>
+          <p:nvPr/>
+        </p:nvPicPr>
+        <p:blipFill>
+          <a:blip r:embed="rId8">
+            <a:alphaModFix/>
+          </a:blip>
+          <a:stretch>
+            <a:fillRect/>
+          </a:stretch>
+        </p:blipFill>
+        <p:spPr>
+          <a:xfrm>
+            <a:off x="11063085" y="2057588"/>
+            <a:ext cx="6171815" cy="6171815"/>
+          </a:xfrm>
+          <a:prstGeom prst="rect">
+            <a:avLst/>
+          </a:prstGeom>
+          <a:noFill/>
+          <a:ln>
+            <a:noFill/>
+          </a:ln>
+        </p:spPr>
+      </p:pic>
     </p:spTree>
   </p:cSld>
   <p:clrMapOvr>

--- a/Hello-Talks/Sentiment-Analysis-in-Dotnet/Sentiment-Analysis-in-NET-Turkish.pptx
+++ b/Hello-Talks/Sentiment-Analysis-in-Dotnet/Sentiment-Analysis-in-NET-Turkish.pptx
@@ -1324,7 +1324,7 @@
   <p:cSld>
     <p:spTree>
       <p:nvGrpSpPr>
-        <p:cNvPr id="116" name="Shape 116"/>
+        <p:cNvPr id="117" name="Shape 117"/>
         <p:cNvGrpSpPr/>
         <p:nvPr/>
       </p:nvGrpSpPr>
@@ -1338,7 +1338,7 @@
       </p:grpSpPr>
       <p:sp>
         <p:nvSpPr>
-          <p:cNvPr id="117" name="Google Shape;117;g2d1957346e2_0_5:notes"/>
+          <p:cNvPr id="118" name="Google Shape;118;g2d1957346e2_0_5:notes"/>
           <p:cNvSpPr txBox="1"/>
           <p:nvPr>
             <p:ph idx="1" type="body"/>
@@ -1377,7 +1377,7 @@
       </p:sp>
       <p:sp>
         <p:nvSpPr>
-          <p:cNvPr id="118" name="Google Shape;118;g2d1957346e2_0_5:notes"/>
+          <p:cNvPr id="119" name="Google Shape;119;g2d1957346e2_0_5:notes"/>
           <p:cNvSpPr/>
           <p:nvPr>
             <p:ph idx="2" type="sldImg"/>
@@ -1423,7 +1423,7 @@
   <p:cSld>
     <p:spTree>
       <p:nvGrpSpPr>
-        <p:cNvPr id="144" name="Shape 144"/>
+        <p:cNvPr id="145" name="Shape 145"/>
         <p:cNvGrpSpPr/>
         <p:nvPr/>
       </p:nvGrpSpPr>
@@ -1437,7 +1437,7 @@
       </p:grpSpPr>
       <p:sp>
         <p:nvSpPr>
-          <p:cNvPr id="145" name="Google Shape;145;g2d159c2ab0f_0_31:notes"/>
+          <p:cNvPr id="146" name="Google Shape;146;g2d159c2ab0f_0_31:notes"/>
           <p:cNvSpPr txBox="1"/>
           <p:nvPr>
             <p:ph idx="1" type="body"/>
@@ -1476,7 +1476,7 @@
       </p:sp>
       <p:sp>
         <p:nvSpPr>
-          <p:cNvPr id="146" name="Google Shape;146;g2d159c2ab0f_0_31:notes"/>
+          <p:cNvPr id="147" name="Google Shape;147;g2d159c2ab0f_0_31:notes"/>
           <p:cNvSpPr/>
           <p:nvPr>
             <p:ph idx="2" type="sldImg"/>
@@ -1522,7 +1522,7 @@
   <p:cSld>
     <p:spTree>
       <p:nvGrpSpPr>
-        <p:cNvPr id="157" name="Shape 157"/>
+        <p:cNvPr id="158" name="Shape 158"/>
         <p:cNvGrpSpPr/>
         <p:nvPr/>
       </p:nvGrpSpPr>
@@ -1536,7 +1536,7 @@
       </p:grpSpPr>
       <p:sp>
         <p:nvSpPr>
-          <p:cNvPr id="158" name="Google Shape;158;p20:notes"/>
+          <p:cNvPr id="159" name="Google Shape;159;p20:notes"/>
           <p:cNvSpPr txBox="1"/>
           <p:nvPr>
             <p:ph idx="1" type="body"/>
@@ -1575,7 +1575,7 @@
       </p:sp>
       <p:sp>
         <p:nvSpPr>
-          <p:cNvPr id="159" name="Google Shape;159;p20:notes"/>
+          <p:cNvPr id="160" name="Google Shape;160;p20:notes"/>
           <p:cNvSpPr/>
           <p:nvPr>
             <p:ph idx="2" type="sldImg"/>
@@ -7646,11 +7646,48 @@
           <p:cNvPicPr preferRelativeResize="0"/>
           <p:nvPr/>
         </p:nvPicPr>
-        <p:blipFill/>
+        <p:blipFill>
+          <a:blip r:embed="rId3">
+            <a:alphaModFix/>
+          </a:blip>
+          <a:stretch>
+            <a:fillRect/>
+          </a:stretch>
+        </p:blipFill>
         <p:spPr>
           <a:xfrm>
-            <a:off x="2294013" y="2497750"/>
-            <a:ext cx="13699972" cy="6839249"/>
+            <a:off x="1701735" y="-734275"/>
+            <a:ext cx="14884539" cy="10287000"/>
+          </a:xfrm>
+          <a:prstGeom prst="rect">
+            <a:avLst/>
+          </a:prstGeom>
+          <a:noFill/>
+          <a:ln>
+            <a:noFill/>
+          </a:ln>
+        </p:spPr>
+      </p:pic>
+      <p:pic>
+        <p:nvPicPr>
+          <p:cNvPr id="116" name="Google Shape;116;p14">
+            <a:hlinkClick r:id="rId4"/>
+          </p:cNvPr>
+          <p:cNvPicPr preferRelativeResize="0"/>
+          <p:nvPr/>
+        </p:nvPicPr>
+        <p:blipFill>
+          <a:blip r:embed="rId5">
+            <a:alphaModFix/>
+          </a:blip>
+          <a:stretch>
+            <a:fillRect/>
+          </a:stretch>
+        </p:blipFill>
+        <p:spPr>
+          <a:xfrm>
+            <a:off x="7924800" y="4855925"/>
+            <a:ext cx="2438400" cy="2438400"/>
           </a:xfrm>
           <a:prstGeom prst="rect">
             <a:avLst/>
@@ -7689,7 +7726,7 @@
     </p:bg>
     <p:spTree>
       <p:nvGrpSpPr>
-        <p:cNvPr id="119" name="Shape 119"/>
+        <p:cNvPr id="120" name="Shape 120"/>
         <p:cNvGrpSpPr/>
         <p:nvPr/>
       </p:nvGrpSpPr>
@@ -7703,7 +7740,7 @@
       </p:grpSpPr>
       <p:sp>
         <p:nvSpPr>
-          <p:cNvPr id="120" name="Google Shape;120;p15"/>
+          <p:cNvPr id="121" name="Google Shape;121;p15"/>
           <p:cNvSpPr txBox="1"/>
           <p:nvPr/>
         </p:nvSpPr>
@@ -7768,7 +7805,7 @@
       </p:sp>
       <p:sp>
         <p:nvSpPr>
-          <p:cNvPr id="121" name="Google Shape;121;p15"/>
+          <p:cNvPr id="122" name="Google Shape;122;p15"/>
           <p:cNvSpPr txBox="1"/>
           <p:nvPr/>
         </p:nvSpPr>
@@ -7818,7 +7855,7 @@
       </p:sp>
       <p:cxnSp>
         <p:nvCxnSpPr>
-          <p:cNvPr id="122" name="Google Shape;122;p15"/>
+          <p:cNvPr id="123" name="Google Shape;123;p15"/>
           <p:cNvCxnSpPr/>
           <p:nvPr/>
         </p:nvCxnSpPr>
@@ -7844,7 +7881,7 @@
       </p:cxnSp>
       <p:sp>
         <p:nvSpPr>
-          <p:cNvPr id="123" name="Google Shape;123;p15"/>
+          <p:cNvPr id="124" name="Google Shape;124;p15"/>
           <p:cNvSpPr txBox="1"/>
           <p:nvPr/>
         </p:nvSpPr>
@@ -7928,7 +7965,7 @@
       </p:sp>
       <p:sp>
         <p:nvSpPr>
-          <p:cNvPr id="124" name="Google Shape;124;p15"/>
+          <p:cNvPr id="125" name="Google Shape;125;p15"/>
           <p:cNvSpPr txBox="1"/>
           <p:nvPr/>
         </p:nvSpPr>
@@ -7978,7 +8015,7 @@
       </p:sp>
       <p:sp>
         <p:nvSpPr>
-          <p:cNvPr id="125" name="Google Shape;125;p15"/>
+          <p:cNvPr id="126" name="Google Shape;126;p15"/>
           <p:cNvSpPr txBox="1"/>
           <p:nvPr/>
         </p:nvSpPr>
@@ -8057,7 +8094,7 @@
       </p:sp>
       <p:grpSp>
         <p:nvGrpSpPr>
-          <p:cNvPr id="126" name="Google Shape;126;p15"/>
+          <p:cNvPr id="127" name="Google Shape;127;p15"/>
           <p:cNvGrpSpPr/>
           <p:nvPr/>
         </p:nvGrpSpPr>
@@ -8071,7 +8108,7 @@
         </p:grpSpPr>
         <p:sp>
           <p:nvSpPr>
-            <p:cNvPr id="127" name="Google Shape;127;p15"/>
+            <p:cNvPr id="128" name="Google Shape;128;p15"/>
             <p:cNvSpPr/>
             <p:nvPr/>
           </p:nvSpPr>
@@ -8142,7 +8179,7 @@
         </p:sp>
         <p:sp>
           <p:nvSpPr>
-            <p:cNvPr id="128" name="Google Shape;128;p15"/>
+            <p:cNvPr id="129" name="Google Shape;129;p15"/>
             <p:cNvSpPr txBox="1"/>
             <p:nvPr/>
           </p:nvSpPr>
@@ -8195,7 +8232,7 @@
       </p:grpSp>
       <p:grpSp>
         <p:nvGrpSpPr>
-          <p:cNvPr id="129" name="Google Shape;129;p15"/>
+          <p:cNvPr id="130" name="Google Shape;130;p15"/>
           <p:cNvGrpSpPr/>
           <p:nvPr/>
         </p:nvGrpSpPr>
@@ -8209,7 +8246,7 @@
         </p:grpSpPr>
         <p:sp>
           <p:nvSpPr>
-            <p:cNvPr id="130" name="Google Shape;130;p15"/>
+            <p:cNvPr id="131" name="Google Shape;131;p15"/>
             <p:cNvSpPr/>
             <p:nvPr/>
           </p:nvSpPr>
@@ -8280,7 +8317,7 @@
         </p:sp>
         <p:sp>
           <p:nvSpPr>
-            <p:cNvPr id="131" name="Google Shape;131;p15"/>
+            <p:cNvPr id="132" name="Google Shape;132;p15"/>
             <p:cNvSpPr txBox="1"/>
             <p:nvPr/>
           </p:nvSpPr>
@@ -8333,7 +8370,7 @@
       </p:grpSp>
       <p:grpSp>
         <p:nvGrpSpPr>
-          <p:cNvPr id="132" name="Google Shape;132;p15"/>
+          <p:cNvPr id="133" name="Google Shape;133;p15"/>
           <p:cNvGrpSpPr/>
           <p:nvPr/>
         </p:nvGrpSpPr>
@@ -8347,7 +8384,7 @@
         </p:grpSpPr>
         <p:sp>
           <p:nvSpPr>
-            <p:cNvPr id="133" name="Google Shape;133;p15"/>
+            <p:cNvPr id="134" name="Google Shape;134;p15"/>
             <p:cNvSpPr/>
             <p:nvPr/>
           </p:nvSpPr>
@@ -8418,7 +8455,7 @@
         </p:sp>
         <p:sp>
           <p:nvSpPr>
-            <p:cNvPr id="134" name="Google Shape;134;p15"/>
+            <p:cNvPr id="135" name="Google Shape;135;p15"/>
             <p:cNvSpPr txBox="1"/>
             <p:nvPr/>
           </p:nvSpPr>
@@ -8471,7 +8508,7 @@
       </p:grpSp>
       <p:grpSp>
         <p:nvGrpSpPr>
-          <p:cNvPr id="135" name="Google Shape;135;p15"/>
+          <p:cNvPr id="136" name="Google Shape;136;p15"/>
           <p:cNvGrpSpPr/>
           <p:nvPr/>
         </p:nvGrpSpPr>
@@ -8485,7 +8522,7 @@
         </p:grpSpPr>
         <p:sp>
           <p:nvSpPr>
-            <p:cNvPr id="136" name="Google Shape;136;p15"/>
+            <p:cNvPr id="137" name="Google Shape;137;p15"/>
             <p:cNvSpPr/>
             <p:nvPr/>
           </p:nvSpPr>
@@ -8556,7 +8593,7 @@
         </p:sp>
         <p:sp>
           <p:nvSpPr>
-            <p:cNvPr id="137" name="Google Shape;137;p15"/>
+            <p:cNvPr id="138" name="Google Shape;138;p15"/>
             <p:cNvSpPr txBox="1"/>
             <p:nvPr/>
           </p:nvSpPr>
@@ -8609,7 +8646,7 @@
       </p:grpSp>
       <p:pic>
         <p:nvPicPr>
-          <p:cNvPr id="138" name="Google Shape;138;p15"/>
+          <p:cNvPr id="139" name="Google Shape;139;p15"/>
           <p:cNvPicPr preferRelativeResize="0"/>
           <p:nvPr/>
         </p:nvPicPr>
@@ -8624,33 +8661,6 @@
           <a:xfrm>
             <a:off x="2280500" y="3232975"/>
             <a:ext cx="1321400" cy="1630100"/>
-          </a:xfrm>
-          <a:prstGeom prst="rect">
-            <a:avLst/>
-          </a:prstGeom>
-          <a:noFill/>
-          <a:ln>
-            <a:noFill/>
-          </a:ln>
-        </p:spPr>
-      </p:pic>
-      <p:pic>
-        <p:nvPicPr>
-          <p:cNvPr id="139" name="Google Shape;139;p15"/>
-          <p:cNvPicPr preferRelativeResize="0"/>
-          <p:nvPr/>
-        </p:nvPicPr>
-        <p:blipFill rotWithShape="1">
-          <a:blip r:embed="rId3">
-            <a:alphaModFix/>
-          </a:blip>
-          <a:srcRect b="45298" l="34287" r="59509" t="38706"/>
-          <a:stretch/>
-        </p:blipFill>
-        <p:spPr>
-          <a:xfrm>
-            <a:off x="6281700" y="3235100"/>
-            <a:ext cx="1123676" cy="1630100"/>
           </a:xfrm>
           <a:prstGeom prst="rect">
             <a:avLst/>
@@ -8671,13 +8681,13 @@
           <a:blip r:embed="rId3">
             <a:alphaModFix/>
           </a:blip>
-          <a:srcRect b="45298" l="56470" r="37813" t="38706"/>
+          <a:srcRect b="45298" l="34287" r="59509" t="38706"/>
           <a:stretch/>
         </p:blipFill>
         <p:spPr>
           <a:xfrm>
-            <a:off x="10284133" y="3242288"/>
-            <a:ext cx="1035612" cy="1630100"/>
+            <a:off x="6281700" y="3235100"/>
+            <a:ext cx="1123676" cy="1630100"/>
           </a:xfrm>
           <a:prstGeom prst="rect">
             <a:avLst/>
@@ -8698,6 +8708,33 @@
           <a:blip r:embed="rId3">
             <a:alphaModFix/>
           </a:blip>
+          <a:srcRect b="45298" l="56470" r="37813" t="38706"/>
+          <a:stretch/>
+        </p:blipFill>
+        <p:spPr>
+          <a:xfrm>
+            <a:off x="10284133" y="3242288"/>
+            <a:ext cx="1035612" cy="1630100"/>
+          </a:xfrm>
+          <a:prstGeom prst="rect">
+            <a:avLst/>
+          </a:prstGeom>
+          <a:noFill/>
+          <a:ln>
+            <a:noFill/>
+          </a:ln>
+        </p:spPr>
+      </p:pic>
+      <p:pic>
+        <p:nvPicPr>
+          <p:cNvPr id="142" name="Google Shape;142;p15"/>
+          <p:cNvPicPr preferRelativeResize="0"/>
+          <p:nvPr/>
+        </p:nvPicPr>
+        <p:blipFill rotWithShape="1">
+          <a:blip r:embed="rId3">
+            <a:alphaModFix/>
+          </a:blip>
           <a:srcRect b="45298" l="77371" r="15334" t="38706"/>
           <a:stretch/>
         </p:blipFill>
@@ -8717,7 +8754,7 @@
       </p:pic>
       <p:sp>
         <p:nvSpPr>
-          <p:cNvPr id="142" name="Google Shape;142;p15"/>
+          <p:cNvPr id="143" name="Google Shape;143;p15"/>
           <p:cNvSpPr txBox="1"/>
           <p:nvPr/>
         </p:nvSpPr>
@@ -8809,7 +8846,7 @@
       </p:sp>
       <p:pic>
         <p:nvPicPr>
-          <p:cNvPr id="143" name="Google Shape;143;p15"/>
+          <p:cNvPr id="144" name="Google Shape;144;p15"/>
           <p:cNvPicPr preferRelativeResize="0"/>
           <p:nvPr/>
         </p:nvPicPr>
@@ -8863,7 +8900,7 @@
     </p:bg>
     <p:spTree>
       <p:nvGrpSpPr>
-        <p:cNvPr id="147" name="Shape 147"/>
+        <p:cNvPr id="148" name="Shape 148"/>
         <p:cNvGrpSpPr/>
         <p:nvPr/>
       </p:nvGrpSpPr>
@@ -8877,7 +8914,7 @@
       </p:grpSpPr>
       <p:sp>
         <p:nvSpPr>
-          <p:cNvPr id="148" name="Google Shape;148;p16"/>
+          <p:cNvPr id="149" name="Google Shape;149;p16"/>
           <p:cNvSpPr txBox="1"/>
           <p:nvPr/>
         </p:nvSpPr>
@@ -8927,7 +8964,7 @@
       </p:sp>
       <p:grpSp>
         <p:nvGrpSpPr>
-          <p:cNvPr id="149" name="Google Shape;149;p16"/>
+          <p:cNvPr id="150" name="Google Shape;150;p16"/>
           <p:cNvGrpSpPr/>
           <p:nvPr/>
         </p:nvGrpSpPr>
@@ -8941,7 +8978,7 @@
         </p:grpSpPr>
         <p:sp>
           <p:nvSpPr>
-            <p:cNvPr id="150" name="Google Shape;150;p16"/>
+            <p:cNvPr id="151" name="Google Shape;151;p16"/>
             <p:cNvSpPr/>
             <p:nvPr/>
           </p:nvSpPr>
@@ -9012,7 +9049,7 @@
         </p:sp>
         <p:sp>
           <p:nvSpPr>
-            <p:cNvPr id="151" name="Google Shape;151;p16"/>
+            <p:cNvPr id="152" name="Google Shape;152;p16"/>
             <p:cNvSpPr txBox="1"/>
             <p:nvPr/>
           </p:nvSpPr>
@@ -9065,7 +9102,7 @@
       </p:grpSp>
       <p:pic>
         <p:nvPicPr>
-          <p:cNvPr id="152" name="Google Shape;152;p16"/>
+          <p:cNvPr id="153" name="Google Shape;153;p16"/>
           <p:cNvPicPr preferRelativeResize="0"/>
           <p:nvPr/>
         </p:nvPicPr>
@@ -9092,7 +9129,7 @@
       </p:pic>
       <p:pic>
         <p:nvPicPr>
-          <p:cNvPr id="153" name="Google Shape;153;p16"/>
+          <p:cNvPr id="154" name="Google Shape;154;p16"/>
           <p:cNvPicPr preferRelativeResize="0"/>
           <p:nvPr/>
         </p:nvPicPr>
@@ -9120,7 +9157,7 @@
       </p:pic>
       <p:grpSp>
         <p:nvGrpSpPr>
-          <p:cNvPr id="154" name="Google Shape;154;p16"/>
+          <p:cNvPr id="155" name="Google Shape;155;p16"/>
           <p:cNvGrpSpPr/>
           <p:nvPr/>
         </p:nvGrpSpPr>
@@ -9134,7 +9171,7 @@
         </p:grpSpPr>
         <p:sp>
           <p:nvSpPr>
-            <p:cNvPr id="155" name="Google Shape;155;p16"/>
+            <p:cNvPr id="156" name="Google Shape;156;p16"/>
             <p:cNvSpPr txBox="1"/>
             <p:nvPr/>
           </p:nvSpPr>
@@ -9285,7 +9322,7 @@
         </p:sp>
         <p:sp>
           <p:nvSpPr>
-            <p:cNvPr id="156" name="Google Shape;156;p16"/>
+            <p:cNvPr id="157" name="Google Shape;157;p16"/>
             <p:cNvSpPr txBox="1"/>
             <p:nvPr/>
           </p:nvSpPr>
@@ -9362,7 +9399,7 @@
     </p:bg>
     <p:spTree>
       <p:nvGrpSpPr>
-        <p:cNvPr id="160" name="Shape 160"/>
+        <p:cNvPr id="161" name="Shape 161"/>
         <p:cNvGrpSpPr/>
         <p:nvPr/>
       </p:nvGrpSpPr>
@@ -9376,7 +9413,7 @@
       </p:grpSpPr>
       <p:sp>
         <p:nvSpPr>
-          <p:cNvPr id="161" name="Google Shape;161;p17"/>
+          <p:cNvPr id="162" name="Google Shape;162;p17"/>
           <p:cNvSpPr txBox="1"/>
           <p:nvPr/>
         </p:nvSpPr>
@@ -9429,7 +9466,7 @@
       </p:sp>
       <p:sp>
         <p:nvSpPr>
-          <p:cNvPr id="162" name="Google Shape;162;p17"/>
+          <p:cNvPr id="163" name="Google Shape;163;p17"/>
           <p:cNvSpPr txBox="1"/>
           <p:nvPr/>
         </p:nvSpPr>
@@ -9492,7 +9529,7 @@
       </p:sp>
       <p:sp>
         <p:nvSpPr>
-          <p:cNvPr id="163" name="Google Shape;163;p17"/>
+          <p:cNvPr id="164" name="Google Shape;164;p17"/>
           <p:cNvSpPr txBox="1"/>
           <p:nvPr/>
         </p:nvSpPr>
@@ -9555,7 +9592,7 @@
       </p:sp>
       <p:pic>
         <p:nvPicPr>
-          <p:cNvPr id="164" name="Google Shape;164;p17"/>
+          <p:cNvPr id="165" name="Google Shape;165;p17"/>
           <p:cNvPicPr preferRelativeResize="0"/>
           <p:nvPr/>
         </p:nvPicPr>
@@ -9582,7 +9619,7 @@
       </p:pic>
       <p:pic>
         <p:nvPicPr>
-          <p:cNvPr id="165" name="Google Shape;165;p17"/>
+          <p:cNvPr id="166" name="Google Shape;166;p17"/>
           <p:cNvPicPr preferRelativeResize="0"/>
           <p:nvPr/>
         </p:nvPicPr>
@@ -9609,7 +9646,7 @@
       </p:pic>
       <p:sp>
         <p:nvSpPr>
-          <p:cNvPr id="166" name="Google Shape;166;p17"/>
+          <p:cNvPr id="167" name="Google Shape;167;p17"/>
           <p:cNvSpPr txBox="1"/>
           <p:nvPr/>
         </p:nvSpPr>
@@ -9682,7 +9719,7 @@
       </p:sp>
       <p:sp>
         <p:nvSpPr>
-          <p:cNvPr id="167" name="Google Shape;167;p17"/>
+          <p:cNvPr id="168" name="Google Shape;168;p17"/>
           <p:cNvSpPr txBox="1"/>
           <p:nvPr/>
         </p:nvSpPr>
@@ -9755,7 +9792,7 @@
       </p:sp>
       <p:pic>
         <p:nvPicPr>
-          <p:cNvPr id="168" name="Google Shape;168;p17"/>
+          <p:cNvPr id="169" name="Google Shape;169;p17"/>
           <p:cNvPicPr preferRelativeResize="0"/>
           <p:nvPr/>
         </p:nvPicPr>
@@ -9783,7 +9820,7 @@
       </p:pic>
       <p:pic>
         <p:nvPicPr>
-          <p:cNvPr id="169" name="Google Shape;169;p17"/>
+          <p:cNvPr id="170" name="Google Shape;170;p17"/>
           <p:cNvPicPr preferRelativeResize="0"/>
           <p:nvPr/>
         </p:nvPicPr>
@@ -9818,6 +9855,285 @@
 </file>
 
 <file path=ppt/theme/theme1.xml><?xml version="1.0" encoding="utf-8"?>
+<a:theme xmlns:a="http://schemas.openxmlformats.org/drawingml/2006/main" xmlns:r="http://schemas.openxmlformats.org/officeDocument/2006/relationships">
+  <a:themeElements>
+    <a:clrScheme name="Default">
+      <a:dk1>
+        <a:srgbClr val="000000"/>
+      </a:dk1>
+      <a:lt1>
+        <a:srgbClr val="FFFFFF"/>
+      </a:lt1>
+      <a:dk2>
+        <a:srgbClr val="158158"/>
+      </a:dk2>
+      <a:lt2>
+        <a:srgbClr val="F3F3F3"/>
+      </a:lt2>
+      <a:accent1>
+        <a:srgbClr val="058DC7"/>
+      </a:accent1>
+      <a:accent2>
+        <a:srgbClr val="50B432"/>
+      </a:accent2>
+      <a:accent3>
+        <a:srgbClr val="ED561B"/>
+      </a:accent3>
+      <a:accent4>
+        <a:srgbClr val="EDEF00"/>
+      </a:accent4>
+      <a:accent5>
+        <a:srgbClr val="24CBE5"/>
+      </a:accent5>
+      <a:accent6>
+        <a:srgbClr val="64E572"/>
+      </a:accent6>
+      <a:hlink>
+        <a:srgbClr val="2200CC"/>
+      </a:hlink>
+      <a:folHlink>
+        <a:srgbClr val="551A8B"/>
+      </a:folHlink>
+    </a:clrScheme>
+    <a:fontScheme name="Office">
+      <a:majorFont>
+        <a:latin typeface="Arial"/>
+        <a:ea typeface=""/>
+        <a:cs typeface=""/>
+        <a:font script="Jpan" typeface="ＭＳ Ｐゴシック"/>
+        <a:font script="Hang" typeface="맑은 고딕"/>
+        <a:font script="Hans" typeface="宋体"/>
+        <a:font script="Hant" typeface="新細明體"/>
+        <a:font script="Arab" typeface="Times New Roman"/>
+        <a:font script="Hebr" typeface="Times New Roman"/>
+        <a:font script="Thai" typeface="Angsana New"/>
+        <a:font script="Ethi" typeface="Nyala"/>
+        <a:font script="Beng" typeface="Vrinda"/>
+        <a:font script="Gujr" typeface="Shruti"/>
+        <a:font script="Khmr" typeface="MoolBoran"/>
+        <a:font script="Knda" typeface="Tunga"/>
+        <a:font script="Guru" typeface="Raavi"/>
+        <a:font script="Cans" typeface="Euphemia"/>
+        <a:font script="Cher" typeface="Plantagenet Cherokee"/>
+        <a:font script="Yiii" typeface="Microsoft Yi Baiti"/>
+        <a:font script="Tibt" typeface="Microsoft Himalaya"/>
+        <a:font script="Thaa" typeface="MV Boli"/>
+        <a:font script="Deva" typeface="Mangal"/>
+        <a:font script="Telu" typeface="Gautami"/>
+        <a:font script="Taml" typeface="Latha"/>
+        <a:font script="Syrc" typeface="Estrangelo Edessa"/>
+        <a:font script="Orya" typeface="Kalinga"/>
+        <a:font script="Mlym" typeface="Kartika"/>
+        <a:font script="Laoo" typeface="DokChampa"/>
+        <a:font script="Sinh" typeface="Iskoola Pota"/>
+        <a:font script="Mong" typeface="Mongolian Baiti"/>
+        <a:font script="Viet" typeface="Times New Roman"/>
+        <a:font script="Uigh" typeface="Microsoft Uighur"/>
+        <a:font script="Geor" typeface="Sylfaen"/>
+      </a:majorFont>
+      <a:minorFont>
+        <a:latin typeface="Arial"/>
+        <a:ea typeface=""/>
+        <a:cs typeface=""/>
+        <a:font script="Jpan" typeface="ＭＳ Ｐゴシック"/>
+        <a:font script="Hang" typeface="맑은 고딕"/>
+        <a:font script="Hans" typeface="宋体"/>
+        <a:font script="Hant" typeface="新細明體"/>
+        <a:font script="Arab" typeface="Arial"/>
+        <a:font script="Hebr" typeface="Arial"/>
+        <a:font script="Thai" typeface="Cordia New"/>
+        <a:font script="Ethi" typeface="Nyala"/>
+        <a:font script="Beng" typeface="Vrinda"/>
+        <a:font script="Gujr" typeface="Shruti"/>
+        <a:font script="Khmr" typeface="DaunPenh"/>
+        <a:font script="Knda" typeface="Tunga"/>
+        <a:font script="Guru" typeface="Raavi"/>
+        <a:font script="Cans" typeface="Euphemia"/>
+        <a:font script="Cher" typeface="Plantagenet Cherokee"/>
+        <a:font script="Yiii" typeface="Microsoft Yi Baiti"/>
+        <a:font script="Tibt" typeface="Microsoft Himalaya"/>
+        <a:font script="Thaa" typeface="MV Boli"/>
+        <a:font script="Deva" typeface="Mangal"/>
+        <a:font script="Telu" typeface="Gautami"/>
+        <a:font script="Taml" typeface="Latha"/>
+        <a:font script="Syrc" typeface="Estrangelo Edessa"/>
+        <a:font script="Orya" typeface="Kalinga"/>
+        <a:font script="Mlym" typeface="Kartika"/>
+        <a:font script="Laoo" typeface="DokChampa"/>
+        <a:font script="Sinh" typeface="Iskoola Pota"/>
+        <a:font script="Mong" typeface="Mongolian Baiti"/>
+        <a:font script="Viet" typeface="Arial"/>
+        <a:font script="Uigh" typeface="Microsoft Uighur"/>
+        <a:font script="Geor" typeface="Sylfaen"/>
+      </a:minorFont>
+    </a:fontScheme>
+    <a:fmtScheme name="Office">
+      <a:fillStyleLst>
+        <a:solidFill>
+          <a:schemeClr val="phClr"/>
+        </a:solidFill>
+        <a:gradFill rotWithShape="1">
+          <a:gsLst>
+            <a:gs pos="0">
+              <a:schemeClr val="phClr">
+                <a:tint val="50000"/>
+                <a:satMod val="300000"/>
+              </a:schemeClr>
+            </a:gs>
+            <a:gs pos="35000">
+              <a:schemeClr val="phClr">
+                <a:tint val="37000"/>
+                <a:satMod val="300000"/>
+              </a:schemeClr>
+            </a:gs>
+            <a:gs pos="100000">
+              <a:schemeClr val="phClr">
+                <a:tint val="15000"/>
+                <a:satMod val="350000"/>
+              </a:schemeClr>
+            </a:gs>
+          </a:gsLst>
+          <a:lin ang="16200000" scaled="1"/>
+        </a:gradFill>
+        <a:gradFill rotWithShape="1">
+          <a:gsLst>
+            <a:gs pos="0">
+              <a:schemeClr val="phClr">
+                <a:tint val="100000"/>
+                <a:shade val="100000"/>
+                <a:satMod val="130000"/>
+              </a:schemeClr>
+            </a:gs>
+            <a:gs pos="100000">
+              <a:schemeClr val="phClr">
+                <a:tint val="50000"/>
+                <a:shade val="100000"/>
+                <a:satMod val="350000"/>
+              </a:schemeClr>
+            </a:gs>
+          </a:gsLst>
+          <a:lin ang="16200000" scaled="0"/>
+        </a:gradFill>
+      </a:fillStyleLst>
+      <a:lnStyleLst>
+        <a:ln w="9525" cap="flat" cmpd="sng" algn="ctr">
+          <a:solidFill>
+            <a:schemeClr val="phClr">
+              <a:shade val="95000"/>
+              <a:satMod val="105000"/>
+            </a:schemeClr>
+          </a:solidFill>
+          <a:prstDash val="solid"/>
+        </a:ln>
+        <a:ln w="25400" cap="flat" cmpd="sng" algn="ctr">
+          <a:solidFill>
+            <a:schemeClr val="phClr"/>
+          </a:solidFill>
+          <a:prstDash val="solid"/>
+        </a:ln>
+        <a:ln w="38100" cap="flat" cmpd="sng" algn="ctr">
+          <a:solidFill>
+            <a:schemeClr val="phClr"/>
+          </a:solidFill>
+          <a:prstDash val="solid"/>
+        </a:ln>
+      </a:lnStyleLst>
+      <a:effectStyleLst>
+        <a:effectStyle>
+          <a:effectLst>
+            <a:outerShdw blurRad="40000" dist="20000" dir="5400000" rotWithShape="0">
+              <a:srgbClr val="000000">
+                <a:alpha val="38000"/>
+              </a:srgbClr>
+            </a:outerShdw>
+          </a:effectLst>
+        </a:effectStyle>
+        <a:effectStyle>
+          <a:effectLst>
+            <a:outerShdw blurRad="40000" dist="23000" dir="5400000" rotWithShape="0">
+              <a:srgbClr val="000000">
+                <a:alpha val="35000"/>
+              </a:srgbClr>
+            </a:outerShdw>
+          </a:effectLst>
+        </a:effectStyle>
+        <a:effectStyle>
+          <a:effectLst>
+            <a:outerShdw blurRad="40000" dist="23000" dir="5400000" rotWithShape="0">
+              <a:srgbClr val="000000">
+                <a:alpha val="35000"/>
+              </a:srgbClr>
+            </a:outerShdw>
+          </a:effectLst>
+          <a:scene3d>
+            <a:camera prst="orthographicFront">
+              <a:rot lat="0" lon="0" rev="0"/>
+            </a:camera>
+            <a:lightRig rig="threePt" dir="t">
+              <a:rot lat="0" lon="0" rev="1200000"/>
+            </a:lightRig>
+          </a:scene3d>
+          <a:sp3d>
+            <a:bevelT w="63500" h="25400"/>
+          </a:sp3d>
+        </a:effectStyle>
+      </a:effectStyleLst>
+      <a:bgFillStyleLst>
+        <a:solidFill>
+          <a:schemeClr val="phClr"/>
+        </a:solidFill>
+        <a:gradFill rotWithShape="1">
+          <a:gsLst>
+            <a:gs pos="0">
+              <a:schemeClr val="phClr">
+                <a:tint val="40000"/>
+                <a:satMod val="350000"/>
+              </a:schemeClr>
+            </a:gs>
+            <a:gs pos="40000">
+              <a:schemeClr val="phClr">
+                <a:tint val="45000"/>
+                <a:shade val="99000"/>
+                <a:satMod val="350000"/>
+              </a:schemeClr>
+            </a:gs>
+            <a:gs pos="100000">
+              <a:schemeClr val="phClr">
+                <a:shade val="20000"/>
+                <a:satMod val="255000"/>
+              </a:schemeClr>
+            </a:gs>
+          </a:gsLst>
+          <a:path path="circle">
+            <a:fillToRect l="50000" t="-80000" r="50000" b="180000"/>
+          </a:path>
+        </a:gradFill>
+        <a:gradFill rotWithShape="1">
+          <a:gsLst>
+            <a:gs pos="0">
+              <a:schemeClr val="phClr">
+                <a:tint val="80000"/>
+                <a:satMod val="300000"/>
+              </a:schemeClr>
+            </a:gs>
+            <a:gs pos="100000">
+              <a:schemeClr val="phClr">
+                <a:shade val="30000"/>
+                <a:satMod val="200000"/>
+              </a:schemeClr>
+            </a:gs>
+          </a:gsLst>
+          <a:path path="circle">
+            <a:fillToRect l="50000" t="50000" r="50000" b="50000"/>
+          </a:path>
+        </a:gradFill>
+      </a:bgFillStyleLst>
+    </a:fmtScheme>
+  </a:themeElements>
+</a:theme>
+</file>
+
+<file path=ppt/theme/theme2.xml><?xml version="1.0" encoding="utf-8"?>
 <a:theme xmlns:a="http://schemas.openxmlformats.org/drawingml/2006/main" xmlns:r="http://schemas.openxmlformats.org/officeDocument/2006/relationships" name="AI Agency Pitch Deck">
   <a:themeElements>
     <a:clrScheme name="Office">
@@ -10094,283 +10410,4 @@
     </a:fmtScheme>
   </a:themeElements>
 </a:theme>
-</file>
-
-<file path=ppt/theme/theme2.xml><?xml version="1.0" encoding="utf-8"?>
-<a:theme xmlns:a="http://schemas.openxmlformats.org/drawingml/2006/main" xmlns:r="http://schemas.openxmlformats.org/officeDocument/2006/relationships">
-  <a:themeElements>
-    <a:clrScheme name="Default">
-      <a:dk1>
-        <a:srgbClr val="000000"/>
-      </a:dk1>
-      <a:lt1>
-        <a:srgbClr val="FFFFFF"/>
-      </a:lt1>
-      <a:dk2>
-        <a:srgbClr val="158158"/>
-      </a:dk2>
-      <a:lt2>
-        <a:srgbClr val="F3F3F3"/>
-      </a:lt2>
-      <a:accent1>
-        <a:srgbClr val="058DC7"/>
-      </a:accent1>
-      <a:accent2>
-        <a:srgbClr val="50B432"/>
-      </a:accent2>
-      <a:accent3>
-        <a:srgbClr val="ED561B"/>
-      </a:accent3>
-      <a:accent4>
-        <a:srgbClr val="EDEF00"/>
-      </a:accent4>
-      <a:accent5>
-        <a:srgbClr val="24CBE5"/>
-      </a:accent5>
-      <a:accent6>
-        <a:srgbClr val="64E572"/>
-      </a:accent6>
-      <a:hlink>
-        <a:srgbClr val="2200CC"/>
-      </a:hlink>
-      <a:folHlink>
-        <a:srgbClr val="551A8B"/>
-      </a:folHlink>
-    </a:clrScheme>
-    <a:fontScheme name="Office">
-      <a:majorFont>
-        <a:latin typeface="Arial"/>
-        <a:ea typeface=""/>
-        <a:cs typeface=""/>
-        <a:font script="Jpan" typeface="ＭＳ Ｐゴシック"/>
-        <a:font script="Hang" typeface="맑은 고딕"/>
-        <a:font script="Hans" typeface="宋体"/>
-        <a:font script="Hant" typeface="新細明體"/>
-        <a:font script="Arab" typeface="Times New Roman"/>
-        <a:font script="Hebr" typeface="Times New Roman"/>
-        <a:font script="Thai" typeface="Angsana New"/>
-        <a:font script="Ethi" typeface="Nyala"/>
-        <a:font script="Beng" typeface="Vrinda"/>
-        <a:font script="Gujr" typeface="Shruti"/>
-        <a:font script="Khmr" typeface="MoolBoran"/>
-        <a:font script="Knda" typeface="Tunga"/>
-        <a:font script="Guru" typeface="Raavi"/>
-        <a:font script="Cans" typeface="Euphemia"/>
-        <a:font script="Cher" typeface="Plantagenet Cherokee"/>
-        <a:font script="Yiii" typeface="Microsoft Yi Baiti"/>
-        <a:font script="Tibt" typeface="Microsoft Himalaya"/>
-        <a:font script="Thaa" typeface="MV Boli"/>
-        <a:font script="Deva" typeface="Mangal"/>
-        <a:font script="Telu" typeface="Gautami"/>
-        <a:font script="Taml" typeface="Latha"/>
-        <a:font script="Syrc" typeface="Estrangelo Edessa"/>
-        <a:font script="Orya" typeface="Kalinga"/>
-        <a:font script="Mlym" typeface="Kartika"/>
-        <a:font script="Laoo" typeface="DokChampa"/>
-        <a:font script="Sinh" typeface="Iskoola Pota"/>
-        <a:font script="Mong" typeface="Mongolian Baiti"/>
-        <a:font script="Viet" typeface="Times New Roman"/>
-        <a:font script="Uigh" typeface="Microsoft Uighur"/>
-        <a:font script="Geor" typeface="Sylfaen"/>
-      </a:majorFont>
-      <a:minorFont>
-        <a:latin typeface="Arial"/>
-        <a:ea typeface=""/>
-        <a:cs typeface=""/>
-        <a:font script="Jpan" typeface="ＭＳ Ｐゴシック"/>
-        <a:font script="Hang" typeface="맑은 고딕"/>
-        <a:font script="Hans" typeface="宋体"/>
-        <a:font script="Hant" typeface="新細明體"/>
-        <a:font script="Arab" typeface="Arial"/>
-        <a:font script="Hebr" typeface="Arial"/>
-        <a:font script="Thai" typeface="Cordia New"/>
-        <a:font script="Ethi" typeface="Nyala"/>
-        <a:font script="Beng" typeface="Vrinda"/>
-        <a:font script="Gujr" typeface="Shruti"/>
-        <a:font script="Khmr" typeface="DaunPenh"/>
-        <a:font script="Knda" typeface="Tunga"/>
-        <a:font script="Guru" typeface="Raavi"/>
-        <a:font script="Cans" typeface="Euphemia"/>
-        <a:font script="Cher" typeface="Plantagenet Cherokee"/>
-        <a:font script="Yiii" typeface="Microsoft Yi Baiti"/>
-        <a:font script="Tibt" typeface="Microsoft Himalaya"/>
-        <a:font script="Thaa" typeface="MV Boli"/>
-        <a:font script="Deva" typeface="Mangal"/>
-        <a:font script="Telu" typeface="Gautami"/>
-        <a:font script="Taml" typeface="Latha"/>
-        <a:font script="Syrc" typeface="Estrangelo Edessa"/>
-        <a:font script="Orya" typeface="Kalinga"/>
-        <a:font script="Mlym" typeface="Kartika"/>
-        <a:font script="Laoo" typeface="DokChampa"/>
-        <a:font script="Sinh" typeface="Iskoola Pota"/>
-        <a:font script="Mong" typeface="Mongolian Baiti"/>
-        <a:font script="Viet" typeface="Arial"/>
-        <a:font script="Uigh" typeface="Microsoft Uighur"/>
-        <a:font script="Geor" typeface="Sylfaen"/>
-      </a:minorFont>
-    </a:fontScheme>
-    <a:fmtScheme name="Office">
-      <a:fillStyleLst>
-        <a:solidFill>
-          <a:schemeClr val="phClr"/>
-        </a:solidFill>
-        <a:gradFill rotWithShape="1">
-          <a:gsLst>
-            <a:gs pos="0">
-              <a:schemeClr val="phClr">
-                <a:tint val="50000"/>
-                <a:satMod val="300000"/>
-              </a:schemeClr>
-            </a:gs>
-            <a:gs pos="35000">
-              <a:schemeClr val="phClr">
-                <a:tint val="37000"/>
-                <a:satMod val="300000"/>
-              </a:schemeClr>
-            </a:gs>
-            <a:gs pos="100000">
-              <a:schemeClr val="phClr">
-                <a:tint val="15000"/>
-                <a:satMod val="350000"/>
-              </a:schemeClr>
-            </a:gs>
-          </a:gsLst>
-          <a:lin ang="16200000" scaled="1"/>
-        </a:gradFill>
-        <a:gradFill rotWithShape="1">
-          <a:gsLst>
-            <a:gs pos="0">
-              <a:schemeClr val="phClr">
-                <a:tint val="100000"/>
-                <a:shade val="100000"/>
-                <a:satMod val="130000"/>
-              </a:schemeClr>
-            </a:gs>
-            <a:gs pos="100000">
-              <a:schemeClr val="phClr">
-                <a:tint val="50000"/>
-                <a:shade val="100000"/>
-                <a:satMod val="350000"/>
-              </a:schemeClr>
-            </a:gs>
-          </a:gsLst>
-          <a:lin ang="16200000" scaled="0"/>
-        </a:gradFill>
-      </a:fillStyleLst>
-      <a:lnStyleLst>
-        <a:ln w="9525" cap="flat" cmpd="sng" algn="ctr">
-          <a:solidFill>
-            <a:schemeClr val="phClr">
-              <a:shade val="95000"/>
-              <a:satMod val="105000"/>
-            </a:schemeClr>
-          </a:solidFill>
-          <a:prstDash val="solid"/>
-        </a:ln>
-        <a:ln w="25400" cap="flat" cmpd="sng" algn="ctr">
-          <a:solidFill>
-            <a:schemeClr val="phClr"/>
-          </a:solidFill>
-          <a:prstDash val="solid"/>
-        </a:ln>
-        <a:ln w="38100" cap="flat" cmpd="sng" algn="ctr">
-          <a:solidFill>
-            <a:schemeClr val="phClr"/>
-          </a:solidFill>
-          <a:prstDash val="solid"/>
-        </a:ln>
-      </a:lnStyleLst>
-      <a:effectStyleLst>
-        <a:effectStyle>
-          <a:effectLst>
-            <a:outerShdw blurRad="40000" dist="20000" dir="5400000" rotWithShape="0">
-              <a:srgbClr val="000000">
-                <a:alpha val="38000"/>
-              </a:srgbClr>
-            </a:outerShdw>
-          </a:effectLst>
-        </a:effectStyle>
-        <a:effectStyle>
-          <a:effectLst>
-            <a:outerShdw blurRad="40000" dist="23000" dir="5400000" rotWithShape="0">
-              <a:srgbClr val="000000">
-                <a:alpha val="35000"/>
-              </a:srgbClr>
-            </a:outerShdw>
-          </a:effectLst>
-        </a:effectStyle>
-        <a:effectStyle>
-          <a:effectLst>
-            <a:outerShdw blurRad="40000" dist="23000" dir="5400000" rotWithShape="0">
-              <a:srgbClr val="000000">
-                <a:alpha val="35000"/>
-              </a:srgbClr>
-            </a:outerShdw>
-          </a:effectLst>
-          <a:scene3d>
-            <a:camera prst="orthographicFront">
-              <a:rot lat="0" lon="0" rev="0"/>
-            </a:camera>
-            <a:lightRig rig="threePt" dir="t">
-              <a:rot lat="0" lon="0" rev="1200000"/>
-            </a:lightRig>
-          </a:scene3d>
-          <a:sp3d>
-            <a:bevelT w="63500" h="25400"/>
-          </a:sp3d>
-        </a:effectStyle>
-      </a:effectStyleLst>
-      <a:bgFillStyleLst>
-        <a:solidFill>
-          <a:schemeClr val="phClr"/>
-        </a:solidFill>
-        <a:gradFill rotWithShape="1">
-          <a:gsLst>
-            <a:gs pos="0">
-              <a:schemeClr val="phClr">
-                <a:tint val="40000"/>
-                <a:satMod val="350000"/>
-              </a:schemeClr>
-            </a:gs>
-            <a:gs pos="40000">
-              <a:schemeClr val="phClr">
-                <a:tint val="45000"/>
-                <a:shade val="99000"/>
-                <a:satMod val="350000"/>
-              </a:schemeClr>
-            </a:gs>
-            <a:gs pos="100000">
-              <a:schemeClr val="phClr">
-                <a:shade val="20000"/>
-                <a:satMod val="255000"/>
-              </a:schemeClr>
-            </a:gs>
-          </a:gsLst>
-          <a:path path="circle">
-            <a:fillToRect l="50000" t="-80000" r="50000" b="180000"/>
-          </a:path>
-        </a:gradFill>
-        <a:gradFill rotWithShape="1">
-          <a:gsLst>
-            <a:gs pos="0">
-              <a:schemeClr val="phClr">
-                <a:tint val="80000"/>
-                <a:satMod val="300000"/>
-              </a:schemeClr>
-            </a:gs>
-            <a:gs pos="100000">
-              <a:schemeClr val="phClr">
-                <a:shade val="30000"/>
-                <a:satMod val="200000"/>
-              </a:schemeClr>
-            </a:gs>
-          </a:gsLst>
-          <a:path path="circle">
-            <a:fillToRect l="50000" t="50000" r="50000" b="50000"/>
-          </a:path>
-        </a:gradFill>
-      </a:bgFillStyleLst>
-    </a:fmtScheme>
-  </a:themeElements>
-</a:theme>
 </file>